--- a/Documentation/PPT/Project PPT.pptx
+++ b/Documentation/PPT/Project PPT.pptx
@@ -9,7 +9,8 @@
     <p:sldId id="259" r:id="rId3"/>
     <p:sldId id="257" r:id="rId4"/>
     <p:sldId id="260" r:id="rId5"/>
-    <p:sldId id="258" r:id="rId6"/>
+    <p:sldId id="261" r:id="rId6"/>
+    <p:sldId id="258" r:id="rId7"/>
   </p:sldIdLst>
   <p:sldSz cx="12192000" cy="6858000"/>
   <p:notesSz cx="6858000" cy="9144000"/>
@@ -5159,6 +5160,209 @@
       </p:grpSpPr>
       <p:sp>
         <p:nvSpPr>
+          <p:cNvPr id="3" name="Rectangle 2">
+            <a:extLst>
+              <a:ext uri="{FF2B5EF4-FFF2-40B4-BE49-F238E27FC236}">
+                <a16:creationId xmlns:a16="http://schemas.microsoft.com/office/drawing/2014/main" id="{7D4BF3B7-20D6-44FA-9BE6-6C6013AAA3D5}"/>
+              </a:ext>
+            </a:extLst>
+          </p:cNvPr>
+          <p:cNvSpPr/>
+          <p:nvPr/>
+        </p:nvSpPr>
+        <p:spPr>
+          <a:xfrm>
+            <a:off x="1331650" y="914801"/>
+            <a:ext cx="9863091" cy="4832092"/>
+          </a:xfrm>
+          <a:prstGeom prst="rect">
+            <a:avLst/>
+          </a:prstGeom>
+        </p:spPr>
+        <p:txBody>
+          <a:bodyPr wrap="square">
+            <a:spAutoFit/>
+          </a:bodyPr>
+          <a:lstStyle/>
+          <a:p>
+            <a:r>
+              <a:rPr lang="en-US" sz="2800" dirty="0">
+                <a:latin typeface="Times New Roman" panose="02020603050405020304" pitchFamily="18" charset="0"/>
+                <a:cs typeface="Times New Roman" panose="02020603050405020304" pitchFamily="18" charset="0"/>
+              </a:rPr>
+              <a:t>This work was done in partial fulfillment of the requirements of CS5560: Knowledge Discovery and Management, CSEE Department, University of Missouri –Kansas City (Summer 2017). </a:t>
+            </a:r>
+          </a:p>
+          <a:p>
+            <a:endParaRPr lang="en-US" sz="2800" dirty="0">
+              <a:latin typeface="Times New Roman" panose="02020603050405020304" pitchFamily="18" charset="0"/>
+              <a:cs typeface="Times New Roman" panose="02020603050405020304" pitchFamily="18" charset="0"/>
+            </a:endParaRPr>
+          </a:p>
+          <a:p>
+            <a:r>
+              <a:rPr lang="en-US" sz="2800" dirty="0">
+                <a:latin typeface="Times New Roman" panose="02020603050405020304" pitchFamily="18" charset="0"/>
+                <a:cs typeface="Times New Roman" panose="02020603050405020304" pitchFamily="18" charset="0"/>
+              </a:rPr>
+              <a:t>Instructors: </a:t>
+            </a:r>
+          </a:p>
+          <a:p>
+            <a:r>
+              <a:rPr lang="en-US" sz="2800" b="1" dirty="0">
+                <a:latin typeface="Times New Roman" panose="02020603050405020304" pitchFamily="18" charset="0"/>
+                <a:cs typeface="Times New Roman" panose="02020603050405020304" pitchFamily="18" charset="0"/>
+              </a:rPr>
+              <a:t>Dr. </a:t>
+            </a:r>
+            <a:r>
+              <a:rPr lang="en-US" sz="2800" b="1" dirty="0" err="1">
+                <a:latin typeface="Times New Roman" panose="02020603050405020304" pitchFamily="18" charset="0"/>
+                <a:cs typeface="Times New Roman" panose="02020603050405020304" pitchFamily="18" charset="0"/>
+              </a:rPr>
+              <a:t>Yugyung</a:t>
+            </a:r>
+            <a:r>
+              <a:rPr lang="en-US" sz="2800" b="1" dirty="0">
+                <a:latin typeface="Times New Roman" panose="02020603050405020304" pitchFamily="18" charset="0"/>
+                <a:cs typeface="Times New Roman" panose="02020603050405020304" pitchFamily="18" charset="0"/>
+              </a:rPr>
+              <a:t> Lee</a:t>
+            </a:r>
+            <a:r>
+              <a:rPr lang="en-US" sz="2800" dirty="0">
+                <a:latin typeface="Times New Roman" panose="02020603050405020304" pitchFamily="18" charset="0"/>
+                <a:cs typeface="Times New Roman" panose="02020603050405020304" pitchFamily="18" charset="0"/>
+              </a:rPr>
+              <a:t>, </a:t>
+            </a:r>
+          </a:p>
+          <a:p>
+            <a:r>
+              <a:rPr lang="en-US" sz="2800" dirty="0" err="1">
+                <a:latin typeface="Times New Roman" panose="02020603050405020304" pitchFamily="18" charset="0"/>
+                <a:cs typeface="Times New Roman" panose="02020603050405020304" pitchFamily="18" charset="0"/>
+              </a:rPr>
+              <a:t>Mayanka</a:t>
+            </a:r>
+            <a:r>
+              <a:rPr lang="en-US" sz="2800" dirty="0">
+                <a:latin typeface="Times New Roman" panose="02020603050405020304" pitchFamily="18" charset="0"/>
+                <a:cs typeface="Times New Roman" panose="02020603050405020304" pitchFamily="18" charset="0"/>
+              </a:rPr>
+              <a:t> Chandra Shekar,</a:t>
+            </a:r>
+          </a:p>
+          <a:p>
+            <a:endParaRPr lang="en-US" sz="2800" dirty="0">
+              <a:latin typeface="Times New Roman" panose="02020603050405020304" pitchFamily="18" charset="0"/>
+              <a:cs typeface="Times New Roman" panose="02020603050405020304" pitchFamily="18" charset="0"/>
+            </a:endParaRPr>
+          </a:p>
+          <a:p>
+            <a:r>
+              <a:rPr lang="en-US" sz="2800" dirty="0">
+                <a:latin typeface="Times New Roman" panose="02020603050405020304" pitchFamily="18" charset="0"/>
+                <a:cs typeface="Times New Roman" panose="02020603050405020304" pitchFamily="18" charset="0"/>
+              </a:rPr>
+              <a:t>TAs:</a:t>
+            </a:r>
+          </a:p>
+          <a:p>
+            <a:r>
+              <a:rPr lang="en-US" sz="2800" dirty="0">
+                <a:latin typeface="Times New Roman" panose="02020603050405020304" pitchFamily="18" charset="0"/>
+                <a:cs typeface="Times New Roman" panose="02020603050405020304" pitchFamily="18" charset="0"/>
+              </a:rPr>
+              <a:t>Vijaya </a:t>
+            </a:r>
+            <a:r>
+              <a:rPr lang="en-US" sz="2800" dirty="0" err="1">
+                <a:latin typeface="Times New Roman" panose="02020603050405020304" pitchFamily="18" charset="0"/>
+                <a:cs typeface="Times New Roman" panose="02020603050405020304" pitchFamily="18" charset="0"/>
+              </a:rPr>
+              <a:t>Kumari</a:t>
+            </a:r>
+            <a:r>
+              <a:rPr lang="en-US" sz="2800" dirty="0">
+                <a:latin typeface="Times New Roman" panose="02020603050405020304" pitchFamily="18" charset="0"/>
+                <a:cs typeface="Times New Roman" panose="02020603050405020304" pitchFamily="18" charset="0"/>
+              </a:rPr>
+              <a:t> </a:t>
+            </a:r>
+            <a:r>
+              <a:rPr lang="en-US" sz="2800" dirty="0" err="1">
+                <a:latin typeface="Times New Roman" panose="02020603050405020304" pitchFamily="18" charset="0"/>
+                <a:cs typeface="Times New Roman" panose="02020603050405020304" pitchFamily="18" charset="0"/>
+              </a:rPr>
+              <a:t>Yeruva</a:t>
+            </a:r>
+            <a:r>
+              <a:rPr lang="en-US" sz="2800" dirty="0">
+                <a:latin typeface="Times New Roman" panose="02020603050405020304" pitchFamily="18" charset="0"/>
+                <a:cs typeface="Times New Roman" panose="02020603050405020304" pitchFamily="18" charset="0"/>
+              </a:rPr>
+              <a:t>, </a:t>
+            </a:r>
+          </a:p>
+          <a:p>
+            <a:r>
+              <a:rPr lang="en-US" sz="2800" dirty="0">
+                <a:latin typeface="Times New Roman" panose="02020603050405020304" pitchFamily="18" charset="0"/>
+                <a:cs typeface="Times New Roman" panose="02020603050405020304" pitchFamily="18" charset="0"/>
+              </a:rPr>
+              <a:t>Saria </a:t>
+            </a:r>
+            <a:r>
+              <a:rPr lang="en-US" sz="2800" dirty="0" err="1">
+                <a:latin typeface="Times New Roman" panose="02020603050405020304" pitchFamily="18" charset="0"/>
+                <a:cs typeface="Times New Roman" panose="02020603050405020304" pitchFamily="18" charset="0"/>
+              </a:rPr>
+              <a:t>Goudarzvand</a:t>
+            </a:r>
+            <a:r>
+              <a:rPr lang="en-US" sz="2800" dirty="0">
+                <a:latin typeface="Times New Roman" panose="02020603050405020304" pitchFamily="18" charset="0"/>
+                <a:cs typeface="Times New Roman" panose="02020603050405020304" pitchFamily="18" charset="0"/>
+              </a:rPr>
+              <a:t>.</a:t>
+            </a:r>
+          </a:p>
+        </p:txBody>
+      </p:sp>
+    </p:spTree>
+    <p:extLst>
+      <p:ext uri="{BB962C8B-B14F-4D97-AF65-F5344CB8AC3E}">
+        <p14:creationId xmlns:p14="http://schemas.microsoft.com/office/powerpoint/2010/main" val="77584073"/>
+      </p:ext>
+    </p:extLst>
+  </p:cSld>
+  <p:clrMapOvr>
+    <a:masterClrMapping/>
+  </p:clrMapOvr>
+</p:sld>
+</file>
+
+<file path=ppt/slides/slide6.xml><?xml version="1.0" encoding="utf-8"?>
+<p:sld xmlns:a="http://schemas.openxmlformats.org/drawingml/2006/main" xmlns:r="http://schemas.openxmlformats.org/officeDocument/2006/relationships" xmlns:p="http://schemas.openxmlformats.org/presentationml/2006/main">
+  <p:cSld>
+    <p:spTree>
+      <p:nvGrpSpPr>
+        <p:cNvPr id="1" name=""/>
+        <p:cNvGrpSpPr/>
+        <p:nvPr/>
+      </p:nvGrpSpPr>
+      <p:grpSpPr>
+        <a:xfrm>
+          <a:off x="0" y="0"/>
+          <a:ext cx="0" cy="0"/>
+          <a:chOff x="0" y="0"/>
+          <a:chExt cx="0" cy="0"/>
+        </a:xfrm>
+      </p:grpSpPr>
+      <p:sp>
+        <p:nvSpPr>
           <p:cNvPr id="4" name="Title 1">
             <a:extLst>
               <a:ext uri="{FF2B5EF4-FFF2-40B4-BE49-F238E27FC236}">
